--- a/Presentation/Presentation_SecPrompt.pptx
+++ b/Presentation/Presentation_SecPrompt.pptx
@@ -3830,45 +3830,6 @@
           </a:prstGeom>
         </p:spPr>
       </p:pic>
-      <p:pic>
-        <p:nvPicPr>
-          <p:cNvPr id="10" name="Grafik 9" descr="Ein Bild, das Clipart, Cartoon enthält.&#10;&#10;KI-generierte Inhalte können fehlerhaft sein.">
-            <a:extLst>
-              <a:ext uri="{FF2B5EF4-FFF2-40B4-BE49-F238E27FC236}">
-                <a16:creationId xmlns:a16="http://schemas.microsoft.com/office/drawing/2014/main" id="{7FC188EF-E369-3FFB-E00D-08A2A08C5299}"/>
-              </a:ext>
-            </a:extLst>
-          </p:cNvPr>
-          <p:cNvPicPr>
-            <a:picLocks noChangeAspect="1"/>
-          </p:cNvPicPr>
-          <p:nvPr/>
-        </p:nvPicPr>
-        <p:blipFill>
-          <a:blip r:embed="rId3">
-            <a:extLst>
-              <a:ext uri="{28A0092B-C50C-407E-A947-70E740481C1C}">
-                <a14:useLocalDpi xmlns:a14="http://schemas.microsoft.com/office/drawing/2010/main" val="0"/>
-              </a:ext>
-            </a:extLst>
-          </a:blip>
-          <a:stretch>
-            <a:fillRect/>
-          </a:stretch>
-        </p:blipFill>
-        <p:spPr>
-          <a:xfrm>
-            <a:off x="5448901" y="2802487"/>
-            <a:ext cx="1314518" cy="1276416"/>
-          </a:xfrm>
-          <a:prstGeom prst="rect">
-            <a:avLst/>
-          </a:prstGeom>
-          <a:effectLst>
-            <a:softEdge rad="0"/>
-          </a:effectLst>
-        </p:spPr>
-      </p:pic>
       <p:sp>
         <p:nvSpPr>
           <p:cNvPr id="11" name="Zylinder 10">
@@ -3924,42 +3885,6 @@
           </a:p>
         </p:txBody>
       </p:sp>
-      <p:pic>
-        <p:nvPicPr>
-          <p:cNvPr id="15" name="Grafik 14" descr="Ein Bild, das Entwurf, Kreis, Design enthält.&#10;&#10;KI-generierte Inhalte können fehlerhaft sein.">
-            <a:extLst>
-              <a:ext uri="{FF2B5EF4-FFF2-40B4-BE49-F238E27FC236}">
-                <a16:creationId xmlns:a16="http://schemas.microsoft.com/office/drawing/2014/main" id="{4647C31F-779F-A9A2-CFFB-791B6E1CED8E}"/>
-              </a:ext>
-            </a:extLst>
-          </p:cNvPr>
-          <p:cNvPicPr>
-            <a:picLocks noChangeAspect="1"/>
-          </p:cNvPicPr>
-          <p:nvPr/>
-        </p:nvPicPr>
-        <p:blipFill>
-          <a:blip r:embed="rId4">
-            <a:extLst>
-              <a:ext uri="{28A0092B-C50C-407E-A947-70E740481C1C}">
-                <a14:useLocalDpi xmlns:a14="http://schemas.microsoft.com/office/drawing/2010/main" val="0"/>
-              </a:ext>
-            </a:extLst>
-          </a:blip>
-          <a:stretch>
-            <a:fillRect/>
-          </a:stretch>
-        </p:blipFill>
-        <p:spPr>
-          <a:xfrm>
-            <a:off x="2237362" y="2783436"/>
-            <a:ext cx="1314518" cy="1314518"/>
-          </a:xfrm>
-          <a:prstGeom prst="rect">
-            <a:avLst/>
-          </a:prstGeom>
-        </p:spPr>
-      </p:pic>
       <p:sp>
         <p:nvSpPr>
           <p:cNvPr id="16" name="Pfeil: nach links und rechts 15">
@@ -4026,7 +3951,7 @@
         </p:nvSpPr>
         <p:spPr>
           <a:xfrm>
-            <a:off x="7103853" y="3198379"/>
+            <a:off x="7114012" y="3211740"/>
             <a:ext cx="1216152" cy="484632"/>
           </a:xfrm>
           <a:prstGeom prst="leftRightArrow">
@@ -4078,8 +4003,8 @@
         </p:nvSpPr>
         <p:spPr>
           <a:xfrm>
-            <a:off x="1451262" y="1566390"/>
-            <a:ext cx="4882104" cy="934720"/>
+            <a:off x="1346425" y="1578694"/>
+            <a:ext cx="5091778" cy="934720"/>
           </a:xfrm>
           <a:prstGeom prst="wedgeRoundRectCallout">
             <a:avLst/>
@@ -4126,7 +4051,7 @@
                   <a:schemeClr val="tx1"/>
                 </a:solidFill>
               </a:rPr>
-              <a:t>ChatBot</a:t>
+              <a:t>SecPrompt</a:t>
             </a:r>
             <a:r>
               <a:rPr lang="de-DE" i="1" dirty="0">
@@ -4449,6 +4374,78 @@
           </a:p>
         </p:txBody>
       </p:sp>
+      <p:pic>
+        <p:nvPicPr>
+          <p:cNvPr id="6" name="Grafik 5" descr="Ein Bild, das Clipart, Cartoon enthält.&#10;&#10;KI-generierte Inhalte können fehlerhaft sein.">
+            <a:extLst>
+              <a:ext uri="{FF2B5EF4-FFF2-40B4-BE49-F238E27FC236}">
+                <a16:creationId xmlns:a16="http://schemas.microsoft.com/office/drawing/2014/main" id="{DA4FCF02-A60B-2D35-11D8-9EFB50AE904D}"/>
+              </a:ext>
+            </a:extLst>
+          </p:cNvPr>
+          <p:cNvPicPr>
+            <a:picLocks noChangeAspect="1"/>
+          </p:cNvPicPr>
+          <p:nvPr/>
+        </p:nvPicPr>
+        <p:blipFill>
+          <a:blip r:embed="rId3">
+            <a:extLst>
+              <a:ext uri="{28A0092B-C50C-407E-A947-70E740481C1C}">
+                <a14:useLocalDpi xmlns:a14="http://schemas.microsoft.com/office/drawing/2010/main" val="0"/>
+              </a:ext>
+            </a:extLst>
+          </a:blip>
+          <a:stretch>
+            <a:fillRect/>
+          </a:stretch>
+        </p:blipFill>
+        <p:spPr>
+          <a:xfrm>
+            <a:off x="5469219" y="2819570"/>
+            <a:ext cx="1314518" cy="1276416"/>
+          </a:xfrm>
+          <a:prstGeom prst="rect">
+            <a:avLst/>
+          </a:prstGeom>
+        </p:spPr>
+      </p:pic>
+      <p:pic>
+        <p:nvPicPr>
+          <p:cNvPr id="8" name="Grafik 7" descr="Ein Bild, das Entwurf, Clipart, weiß, Design enthält.&#10;&#10;KI-generierte Inhalte können fehlerhaft sein.">
+            <a:extLst>
+              <a:ext uri="{FF2B5EF4-FFF2-40B4-BE49-F238E27FC236}">
+                <a16:creationId xmlns:a16="http://schemas.microsoft.com/office/drawing/2014/main" id="{5D16CA64-CDD9-CE67-1929-A6B75129B1A9}"/>
+              </a:ext>
+            </a:extLst>
+          </p:cNvPr>
+          <p:cNvPicPr>
+            <a:picLocks noChangeAspect="1"/>
+          </p:cNvPicPr>
+          <p:nvPr/>
+        </p:nvPicPr>
+        <p:blipFill>
+          <a:blip r:embed="rId4">
+            <a:extLst>
+              <a:ext uri="{28A0092B-C50C-407E-A947-70E740481C1C}">
+                <a14:useLocalDpi xmlns:a14="http://schemas.microsoft.com/office/drawing/2010/main" val="0"/>
+              </a:ext>
+            </a:extLst>
+          </a:blip>
+          <a:stretch>
+            <a:fillRect/>
+          </a:stretch>
+        </p:blipFill>
+        <p:spPr>
+          <a:xfrm>
+            <a:off x="2217043" y="2781468"/>
+            <a:ext cx="1314518" cy="1314518"/>
+          </a:xfrm>
+          <a:prstGeom prst="rect">
+            <a:avLst/>
+          </a:prstGeom>
+        </p:spPr>
+      </p:pic>
     </p:spTree>
     <p:extLst>
       <p:ext uri="{BB962C8B-B14F-4D97-AF65-F5344CB8AC3E}">

--- a/Presentation/Presentation_SecPrompt.pptx
+++ b/Presentation/Presentation_SecPrompt.pptx
@@ -4490,8 +4490,8 @@
         </p:nvSpPr>
         <p:spPr>
           <a:xfrm>
-            <a:off x="2790536" y="3200400"/>
-            <a:ext cx="2113281" cy="1534160"/>
+            <a:off x="5016552" y="3243071"/>
+            <a:ext cx="4259527" cy="1625600"/>
           </a:xfrm>
           <a:prstGeom prst="roundRect">
             <a:avLst/>
@@ -4650,7 +4650,7 @@
         </p:nvSpPr>
         <p:spPr>
           <a:xfrm>
-            <a:off x="592672" y="3667760"/>
+            <a:off x="10328904" y="3590159"/>
             <a:ext cx="1483200" cy="914400"/>
           </a:xfrm>
           <a:prstGeom prst="roundRect">
@@ -4708,7 +4708,7 @@
         </p:nvSpPr>
         <p:spPr>
           <a:xfrm>
-            <a:off x="3105576" y="3667760"/>
+            <a:off x="7639568" y="3620893"/>
             <a:ext cx="1483200" cy="914400"/>
           </a:xfrm>
           <a:prstGeom prst="roundRect">
@@ -4766,7 +4766,7 @@
         </p:nvSpPr>
         <p:spPr>
           <a:xfrm>
-            <a:off x="5618481" y="3667760"/>
+            <a:off x="5103842" y="3628389"/>
             <a:ext cx="1483200" cy="914400"/>
           </a:xfrm>
           <a:prstGeom prst="roundRect">
@@ -4813,10 +4813,10 @@
       </p:sp>
       <p:sp>
         <p:nvSpPr>
-          <p:cNvPr id="10" name="Rechteck: abgerundete Ecken 9">
-            <a:extLst>
-              <a:ext uri="{FF2B5EF4-FFF2-40B4-BE49-F238E27FC236}">
-                <a16:creationId xmlns:a16="http://schemas.microsoft.com/office/drawing/2014/main" id="{8B417A8E-B14E-1860-2C84-A29D36996476}"/>
+          <p:cNvPr id="12" name="Rechteck: abgerundete Ecken 11">
+            <a:extLst>
+              <a:ext uri="{FF2B5EF4-FFF2-40B4-BE49-F238E27FC236}">
+                <a16:creationId xmlns:a16="http://schemas.microsoft.com/office/drawing/2014/main" id="{91C2D45B-2858-5CFC-A014-4051F0D5ED71}"/>
               </a:ext>
             </a:extLst>
           </p:cNvPr>
@@ -4825,66 +4825,7 @@
         </p:nvSpPr>
         <p:spPr>
           <a:xfrm>
-            <a:off x="7816345" y="3667760"/>
-            <a:ext cx="1483361" cy="914400"/>
-          </a:xfrm>
-          <a:prstGeom prst="roundRect">
-            <a:avLst/>
-          </a:prstGeom>
-          <a:solidFill>
-            <a:schemeClr val="accent1">
-              <a:lumMod val="60000"/>
-              <a:lumOff val="40000"/>
-            </a:schemeClr>
-          </a:solidFill>
-          <a:ln>
-            <a:noFill/>
-          </a:ln>
-        </p:spPr>
-        <p:style>
-          <a:lnRef idx="2">
-            <a:schemeClr val="accent1">
-              <a:shade val="15000"/>
-            </a:schemeClr>
-          </a:lnRef>
-          <a:fillRef idx="1">
-            <a:schemeClr val="accent1"/>
-          </a:fillRef>
-          <a:effectRef idx="0">
-            <a:schemeClr val="accent1"/>
-          </a:effectRef>
-          <a:fontRef idx="minor">
-            <a:schemeClr val="lt1"/>
-          </a:fontRef>
-        </p:style>
-        <p:txBody>
-          <a:bodyPr rtlCol="0" anchor="ctr"/>
-          <a:lstStyle/>
-          <a:p>
-            <a:pPr algn="ctr"/>
-            <a:r>
-              <a:rPr lang="de-DE" b="1" dirty="0" err="1"/>
-              <a:t>WebSocket</a:t>
-            </a:r>
-            <a:endParaRPr lang="de-DE" b="1" dirty="0"/>
-          </a:p>
-        </p:txBody>
-      </p:sp>
-      <p:sp>
-        <p:nvSpPr>
-          <p:cNvPr id="12" name="Rechteck: abgerundete Ecken 11">
-            <a:extLst>
-              <a:ext uri="{FF2B5EF4-FFF2-40B4-BE49-F238E27FC236}">
-                <a16:creationId xmlns:a16="http://schemas.microsoft.com/office/drawing/2014/main" id="{91C2D45B-2858-5CFC-A014-4051F0D5ED71}"/>
-              </a:ext>
-            </a:extLst>
-          </p:cNvPr>
-          <p:cNvSpPr/>
-          <p:nvPr/>
-        </p:nvSpPr>
-        <p:spPr>
-          <a:xfrm>
-            <a:off x="10014370" y="3667760"/>
+            <a:off x="399551" y="3628389"/>
             <a:ext cx="1483200" cy="914400"/>
           </a:xfrm>
           <a:prstGeom prst="roundRect">
@@ -4928,12 +4869,48 @@
           </a:p>
         </p:txBody>
       </p:sp>
-      <p:sp>
-        <p:nvSpPr>
-          <p:cNvPr id="13" name="Pfeil: nach rechts 12">
-            <a:extLst>
-              <a:ext uri="{FF2B5EF4-FFF2-40B4-BE49-F238E27FC236}">
-                <a16:creationId xmlns:a16="http://schemas.microsoft.com/office/drawing/2014/main" id="{7CBB7B51-6306-78E9-F849-FB9903423426}"/>
+      <p:pic>
+        <p:nvPicPr>
+          <p:cNvPr id="19" name="Grafik 18" descr="Ein Bild, das Logo, Grafiken, Symbol, Schrift enthält.&#10;&#10;KI-generierte Inhalte können fehlerhaft sein.">
+            <a:extLst>
+              <a:ext uri="{FF2B5EF4-FFF2-40B4-BE49-F238E27FC236}">
+                <a16:creationId xmlns:a16="http://schemas.microsoft.com/office/drawing/2014/main" id="{678920C2-447C-D56C-285F-43E9A676ADAC}"/>
+              </a:ext>
+            </a:extLst>
+          </p:cNvPr>
+          <p:cNvPicPr>
+            <a:picLocks noChangeAspect="1"/>
+          </p:cNvPicPr>
+          <p:nvPr/>
+        </p:nvPicPr>
+        <p:blipFill>
+          <a:blip r:embed="rId2">
+            <a:extLst>
+              <a:ext uri="{28A0092B-C50C-407E-A947-70E740481C1C}">
+                <a14:useLocalDpi xmlns:a14="http://schemas.microsoft.com/office/drawing/2010/main" val="0"/>
+              </a:ext>
+            </a:extLst>
+          </a:blip>
+          <a:stretch>
+            <a:fillRect/>
+          </a:stretch>
+        </p:blipFill>
+        <p:spPr>
+          <a:xfrm>
+            <a:off x="10698480" y="0"/>
+            <a:ext cx="1310640" cy="1310640"/>
+          </a:xfrm>
+          <a:prstGeom prst="rect">
+            <a:avLst/>
+          </a:prstGeom>
+        </p:spPr>
+      </p:pic>
+      <p:sp>
+        <p:nvSpPr>
+          <p:cNvPr id="21" name="Pfeil: nach oben und unten 20">
+            <a:extLst>
+              <a:ext uri="{FF2B5EF4-FFF2-40B4-BE49-F238E27FC236}">
+                <a16:creationId xmlns:a16="http://schemas.microsoft.com/office/drawing/2014/main" id="{EA6F81C4-F236-1F9D-FC55-70CC79BC681A}"/>
               </a:ext>
             </a:extLst>
           </p:cNvPr>
@@ -4941,17 +4918,15 @@
           <p:nvPr/>
         </p:nvSpPr>
         <p:spPr>
-          <a:xfrm rot="10800000">
-            <a:off x="2219844" y="3987800"/>
-            <a:ext cx="426720" cy="274320"/>
+          <a:xfrm rot="5400000">
+            <a:off x="6900707" y="3733903"/>
+            <a:ext cx="425197" cy="703371"/>
           </a:xfrm>
-          <a:prstGeom prst="rightArrow">
+          <a:prstGeom prst="upDownArrow">
             <a:avLst/>
           </a:prstGeom>
           <a:solidFill>
-            <a:schemeClr val="bg1">
-              <a:lumMod val="95000"/>
-            </a:schemeClr>
+            <a:schemeClr val="bg1"/>
           </a:solidFill>
           <a:ln>
             <a:noFill/>
@@ -4984,10 +4959,10 @@
       </p:sp>
       <p:sp>
         <p:nvSpPr>
-          <p:cNvPr id="14" name="Pfeil: nach rechts 13">
-            <a:extLst>
-              <a:ext uri="{FF2B5EF4-FFF2-40B4-BE49-F238E27FC236}">
-                <a16:creationId xmlns:a16="http://schemas.microsoft.com/office/drawing/2014/main" id="{A029F1CD-583F-FC38-05FA-59D8723E815D}"/>
+          <p:cNvPr id="22" name="Pfeil: nach oben und unten 21">
+            <a:extLst>
+              <a:ext uri="{FF2B5EF4-FFF2-40B4-BE49-F238E27FC236}">
+                <a16:creationId xmlns:a16="http://schemas.microsoft.com/office/drawing/2014/main" id="{31B4A513-3E2A-B7F6-C5E6-0DF0E376582D}"/>
               </a:ext>
             </a:extLst>
           </p:cNvPr>
@@ -4995,17 +4970,15 @@
           <p:nvPr/>
         </p:nvSpPr>
         <p:spPr>
-          <a:xfrm rot="10800000">
-            <a:off x="5047789" y="3987800"/>
-            <a:ext cx="426720" cy="274320"/>
+          <a:xfrm rot="5400000">
+            <a:off x="9589743" y="3726407"/>
+            <a:ext cx="425197" cy="703371"/>
           </a:xfrm>
-          <a:prstGeom prst="rightArrow">
+          <a:prstGeom prst="upDownArrow">
             <a:avLst/>
           </a:prstGeom>
           <a:solidFill>
-            <a:schemeClr val="bg1">
-              <a:lumMod val="95000"/>
-            </a:schemeClr>
+            <a:schemeClr val="bg1"/>
           </a:solidFill>
           <a:ln>
             <a:noFill/>
@@ -5038,10 +5011,10 @@
       </p:sp>
       <p:sp>
         <p:nvSpPr>
-          <p:cNvPr id="15" name="Pfeil: nach rechts 14">
-            <a:extLst>
-              <a:ext uri="{FF2B5EF4-FFF2-40B4-BE49-F238E27FC236}">
-                <a16:creationId xmlns:a16="http://schemas.microsoft.com/office/drawing/2014/main" id="{99AD369D-3AC3-49E2-D314-70B4577D6DD2}"/>
+          <p:cNvPr id="23" name="Pfeil: nach links und rechts 22">
+            <a:extLst>
+              <a:ext uri="{FF2B5EF4-FFF2-40B4-BE49-F238E27FC236}">
+                <a16:creationId xmlns:a16="http://schemas.microsoft.com/office/drawing/2014/main" id="{EEEA2340-CAC7-FB50-6B59-FDBA4E8787E0}"/>
               </a:ext>
             </a:extLst>
           </p:cNvPr>
@@ -5049,17 +5022,15 @@
           <p:nvPr/>
         </p:nvSpPr>
         <p:spPr>
-          <a:xfrm rot="10800000">
-            <a:off x="7245653" y="3972560"/>
-            <a:ext cx="426720" cy="274320"/>
+          <a:xfrm>
+            <a:off x="2057329" y="3843273"/>
+            <a:ext cx="2784646" cy="484632"/>
           </a:xfrm>
-          <a:prstGeom prst="rightArrow">
+          <a:prstGeom prst="leftRightArrow">
             <a:avLst/>
           </a:prstGeom>
           <a:solidFill>
-            <a:schemeClr val="bg1">
-              <a:lumMod val="95000"/>
-            </a:schemeClr>
+            <a:schemeClr val="bg1"/>
           </a:solidFill>
           <a:ln>
             <a:noFill/>
@@ -5086,100 +5057,22 @@
           <a:lstStyle/>
           <a:p>
             <a:pPr algn="ctr"/>
-            <a:endParaRPr lang="de-DE"/>
-          </a:p>
-        </p:txBody>
-      </p:sp>
-      <p:sp>
-        <p:nvSpPr>
-          <p:cNvPr id="16" name="Pfeil: nach rechts 15">
-            <a:extLst>
-              <a:ext uri="{FF2B5EF4-FFF2-40B4-BE49-F238E27FC236}">
-                <a16:creationId xmlns:a16="http://schemas.microsoft.com/office/drawing/2014/main" id="{2142203E-837F-1DF6-4A94-D4AFEE19BB6D}"/>
-              </a:ext>
-            </a:extLst>
-          </p:cNvPr>
-          <p:cNvSpPr/>
-          <p:nvPr/>
-        </p:nvSpPr>
-        <p:spPr>
-          <a:xfrm rot="10800000">
-            <a:off x="9443678" y="3967480"/>
-            <a:ext cx="426720" cy="274320"/>
-          </a:xfrm>
-          <a:prstGeom prst="rightArrow">
-            <a:avLst/>
-          </a:prstGeom>
-          <a:solidFill>
-            <a:schemeClr val="bg1">
-              <a:lumMod val="95000"/>
-            </a:schemeClr>
-          </a:solidFill>
-          <a:ln>
-            <a:noFill/>
-          </a:ln>
-        </p:spPr>
-        <p:style>
-          <a:lnRef idx="2">
-            <a:schemeClr val="accent1">
-              <a:shade val="15000"/>
-            </a:schemeClr>
-          </a:lnRef>
-          <a:fillRef idx="1">
-            <a:schemeClr val="accent1"/>
-          </a:fillRef>
-          <a:effectRef idx="0">
-            <a:schemeClr val="accent1"/>
-          </a:effectRef>
-          <a:fontRef idx="minor">
-            <a:schemeClr val="lt1"/>
-          </a:fontRef>
-        </p:style>
-        <p:txBody>
-          <a:bodyPr rtlCol="0" anchor="ctr"/>
-          <a:lstStyle/>
-          <a:p>
-            <a:pPr algn="ctr"/>
-            <a:endParaRPr lang="de-DE"/>
-          </a:p>
-        </p:txBody>
-      </p:sp>
-      <p:pic>
-        <p:nvPicPr>
-          <p:cNvPr id="19" name="Grafik 18" descr="Ein Bild, das Logo, Grafiken, Symbol, Schrift enthält.&#10;&#10;KI-generierte Inhalte können fehlerhaft sein.">
-            <a:extLst>
-              <a:ext uri="{FF2B5EF4-FFF2-40B4-BE49-F238E27FC236}">
-                <a16:creationId xmlns:a16="http://schemas.microsoft.com/office/drawing/2014/main" id="{678920C2-447C-D56C-285F-43E9A676ADAC}"/>
-              </a:ext>
-            </a:extLst>
-          </p:cNvPr>
-          <p:cNvPicPr>
-            <a:picLocks noChangeAspect="1"/>
-          </p:cNvPicPr>
-          <p:nvPr/>
-        </p:nvPicPr>
-        <p:blipFill>
-          <a:blip r:embed="rId2">
-            <a:extLst>
-              <a:ext uri="{28A0092B-C50C-407E-A947-70E740481C1C}">
-                <a14:useLocalDpi xmlns:a14="http://schemas.microsoft.com/office/drawing/2010/main" val="0"/>
-              </a:ext>
-            </a:extLst>
-          </a:blip>
-          <a:stretch>
-            <a:fillRect/>
-          </a:stretch>
-        </p:blipFill>
-        <p:spPr>
-          <a:xfrm>
-            <a:off x="10698480" y="0"/>
-            <a:ext cx="1310640" cy="1310640"/>
-          </a:xfrm>
-          <a:prstGeom prst="rect">
-            <a:avLst/>
-          </a:prstGeom>
-        </p:spPr>
-      </p:pic>
+            <a:r>
+              <a:rPr lang="de-DE" b="1" dirty="0" err="1">
+                <a:solidFill>
+                  <a:schemeClr val="tx1"/>
+                </a:solidFill>
+              </a:rPr>
+              <a:t>WebSocket</a:t>
+            </a:r>
+            <a:endParaRPr lang="de-DE" b="1" dirty="0">
+              <a:solidFill>
+                <a:schemeClr val="tx1"/>
+              </a:solidFill>
+            </a:endParaRPr>
+          </a:p>
+        </p:txBody>
+      </p:sp>
     </p:spTree>
     <p:extLst>
       <p:ext uri="{BB962C8B-B14F-4D97-AF65-F5344CB8AC3E}">

--- a/Presentation/Presentation_SecPrompt.pptx
+++ b/Presentation/Presentation_SecPrompt.pptx
@@ -3418,6 +3418,32 @@
             </a:endParaRPr>
           </a:p>
           <a:p>
+            <a:r>
+              <a:rPr lang="de-DE" b="1" dirty="0" err="1">
+                <a:solidFill>
+                  <a:schemeClr val="bg2">
+                    <a:lumMod val="75000"/>
+                  </a:schemeClr>
+                </a:solidFill>
+                <a:latin typeface="Helvetica" panose="020B0604020202020204" pitchFamily="34" charset="0"/>
+                <a:cs typeface="Helvetica" panose="020B0604020202020204" pitchFamily="34" charset="0"/>
+              </a:rPr>
+              <a:t>complioty</a:t>
+            </a:r>
+            <a:r>
+              <a:rPr lang="de-DE" b="1" dirty="0">
+                <a:solidFill>
+                  <a:schemeClr val="bg2">
+                    <a:lumMod val="75000"/>
+                  </a:schemeClr>
+                </a:solidFill>
+                <a:latin typeface="Helvetica" panose="020B0604020202020204" pitchFamily="34" charset="0"/>
+                <a:cs typeface="Helvetica" panose="020B0604020202020204" pitchFamily="34" charset="0"/>
+              </a:rPr>
+              <a:t> Challenge</a:t>
+            </a:r>
+          </a:p>
+          <a:p>
             <a:endParaRPr lang="de-DE" sz="2800" b="1" dirty="0">
               <a:solidFill>
                 <a:schemeClr val="bg2">
@@ -3462,17 +3488,6 @@
             </a:endParaRPr>
           </a:p>
           <a:p>
-            <a:endParaRPr lang="de-DE" sz="2800" b="1" dirty="0">
-              <a:solidFill>
-                <a:schemeClr val="bg2">
-                  <a:lumMod val="75000"/>
-                </a:schemeClr>
-              </a:solidFill>
-              <a:latin typeface="Helvetica" panose="020B0604020202020204" pitchFamily="34" charset="0"/>
-              <a:cs typeface="Helvetica" panose="020B0604020202020204" pitchFamily="34" charset="0"/>
-            </a:endParaRPr>
-          </a:p>
-          <a:p>
             <a:endParaRPr lang="de-DE" dirty="0">
               <a:solidFill>
                 <a:schemeClr val="bg2">
@@ -3485,7 +3500,7 @@
           </a:p>
           <a:p>
             <a:r>
-              <a:rPr lang="de-DE" dirty="0">
+              <a:rPr lang="de-DE" sz="2000" dirty="0">
                 <a:solidFill>
                   <a:schemeClr val="bg2"/>
                 </a:solidFill>
@@ -3495,7 +3510,7 @@
               <a:t>Ignacy </a:t>
             </a:r>
             <a:r>
-              <a:rPr lang="de-DE" dirty="0" err="1">
+              <a:rPr lang="de-DE" sz="2000" dirty="0" err="1">
                 <a:solidFill>
                   <a:schemeClr val="bg2"/>
                 </a:solidFill>
@@ -3504,7 +3519,7 @@
               </a:rPr>
               <a:t>Alwasiak</a:t>
             </a:r>
-            <a:endParaRPr lang="de-DE" dirty="0">
+            <a:endParaRPr lang="de-DE" sz="2000" dirty="0">
               <a:solidFill>
                 <a:schemeClr val="bg2"/>
               </a:solidFill>
@@ -3514,7 +3529,7 @@
           </a:p>
           <a:p>
             <a:r>
-              <a:rPr lang="de-DE" dirty="0">
+              <a:rPr lang="de-DE" sz="2000" dirty="0">
                 <a:solidFill>
                   <a:schemeClr val="bg2"/>
                 </a:solidFill>
@@ -3526,7 +3541,7 @@
           </a:p>
           <a:p>
             <a:r>
-              <a:rPr lang="de-DE" dirty="0" err="1">
+              <a:rPr lang="de-DE" sz="2000" dirty="0" err="1">
                 <a:solidFill>
                   <a:schemeClr val="bg2"/>
                 </a:solidFill>
@@ -3536,7 +3551,7 @@
               <a:t>Tatsuki</a:t>
             </a:r>
             <a:r>
-              <a:rPr lang="de-DE" dirty="0">
+              <a:rPr lang="de-DE" sz="2000" dirty="0">
                 <a:solidFill>
                   <a:schemeClr val="bg2"/>
                 </a:solidFill>
@@ -3546,7 +3561,7 @@
               <a:t> </a:t>
             </a:r>
             <a:r>
-              <a:rPr lang="de-DE" dirty="0" err="1">
+              <a:rPr lang="de-DE" sz="2000" dirty="0" err="1">
                 <a:solidFill>
                   <a:schemeClr val="bg2"/>
                 </a:solidFill>
@@ -3555,7 +3570,7 @@
               </a:rPr>
               <a:t>Monji</a:t>
             </a:r>
-            <a:endParaRPr lang="de-DE" dirty="0">
+            <a:endParaRPr lang="de-DE" sz="2000" dirty="0">
               <a:solidFill>
                 <a:schemeClr val="bg2"/>
               </a:solidFill>
@@ -4490,8 +4505,8 @@
         </p:nvSpPr>
         <p:spPr>
           <a:xfrm>
-            <a:off x="5016552" y="3243071"/>
-            <a:ext cx="4259527" cy="1625600"/>
+            <a:off x="4993219" y="3068320"/>
+            <a:ext cx="6775897" cy="1840991"/>
           </a:xfrm>
           <a:prstGeom prst="roundRect">
             <a:avLst/>
@@ -4650,7 +4665,7 @@
         </p:nvSpPr>
         <p:spPr>
           <a:xfrm>
-            <a:off x="10328904" y="3590159"/>
+            <a:off x="10171415" y="3620893"/>
             <a:ext cx="1483200" cy="914400"/>
           </a:xfrm>
           <a:prstGeom prst="roundRect">
@@ -4907,10 +4922,10 @@
       </p:pic>
       <p:sp>
         <p:nvSpPr>
-          <p:cNvPr id="21" name="Pfeil: nach oben und unten 20">
-            <a:extLst>
-              <a:ext uri="{FF2B5EF4-FFF2-40B4-BE49-F238E27FC236}">
-                <a16:creationId xmlns:a16="http://schemas.microsoft.com/office/drawing/2014/main" id="{EA6F81C4-F236-1F9D-FC55-70CC79BC681A}"/>
+          <p:cNvPr id="23" name="Pfeil: nach links und rechts 22">
+            <a:extLst>
+              <a:ext uri="{FF2B5EF4-FFF2-40B4-BE49-F238E27FC236}">
+                <a16:creationId xmlns:a16="http://schemas.microsoft.com/office/drawing/2014/main" id="{EEEA2340-CAC7-FB50-6B59-FDBA4E8787E0}"/>
               </a:ext>
             </a:extLst>
           </p:cNvPr>
@@ -4918,11 +4933,11 @@
           <p:nvPr/>
         </p:nvSpPr>
         <p:spPr>
-          <a:xfrm rot="5400000">
-            <a:off x="6900707" y="3733903"/>
-            <a:ext cx="425197" cy="703371"/>
-          </a:xfrm>
-          <a:prstGeom prst="upDownArrow">
+          <a:xfrm>
+            <a:off x="2057329" y="3843273"/>
+            <a:ext cx="2784646" cy="484632"/>
+          </a:xfrm>
+          <a:prstGeom prst="leftRightArrow">
             <a:avLst/>
           </a:prstGeom>
           <a:solidFill>
@@ -4953,16 +4968,28 @@
           <a:lstStyle/>
           <a:p>
             <a:pPr algn="ctr"/>
-            <a:endParaRPr lang="de-DE"/>
-          </a:p>
-        </p:txBody>
-      </p:sp>
-      <p:sp>
-        <p:nvSpPr>
-          <p:cNvPr id="22" name="Pfeil: nach oben und unten 21">
-            <a:extLst>
-              <a:ext uri="{FF2B5EF4-FFF2-40B4-BE49-F238E27FC236}">
-                <a16:creationId xmlns:a16="http://schemas.microsoft.com/office/drawing/2014/main" id="{31B4A513-3E2A-B7F6-C5E6-0DF0E376582D}"/>
+            <a:r>
+              <a:rPr lang="de-DE" b="1" dirty="0" err="1">
+                <a:solidFill>
+                  <a:schemeClr val="tx1"/>
+                </a:solidFill>
+              </a:rPr>
+              <a:t>WebSocket</a:t>
+            </a:r>
+            <a:endParaRPr lang="de-DE" b="1" dirty="0">
+              <a:solidFill>
+                <a:schemeClr val="tx1"/>
+              </a:solidFill>
+            </a:endParaRPr>
+          </a:p>
+        </p:txBody>
+      </p:sp>
+      <p:sp>
+        <p:nvSpPr>
+          <p:cNvPr id="3" name="Kreuz 2">
+            <a:extLst>
+              <a:ext uri="{FF2B5EF4-FFF2-40B4-BE49-F238E27FC236}">
+                <a16:creationId xmlns:a16="http://schemas.microsoft.com/office/drawing/2014/main" id="{EEECBDAB-94A4-F8F4-E7BF-96E5986C699C}"/>
               </a:ext>
             </a:extLst>
           </p:cNvPr>
@@ -4970,12 +4997,14 @@
           <p:nvPr/>
         </p:nvSpPr>
         <p:spPr>
-          <a:xfrm rot="5400000">
-            <a:off x="9589743" y="3726407"/>
-            <a:ext cx="425197" cy="703371"/>
-          </a:xfrm>
-          <a:prstGeom prst="upDownArrow">
-            <a:avLst/>
+          <a:xfrm>
+            <a:off x="6869748" y="3834411"/>
+            <a:ext cx="483235" cy="487363"/>
+          </a:xfrm>
+          <a:prstGeom prst="plus">
+            <a:avLst>
+              <a:gd name="adj" fmla="val 43812"/>
+            </a:avLst>
           </a:prstGeom>
           <a:solidFill>
             <a:schemeClr val="bg1"/>
@@ -5011,10 +5040,10 @@
       </p:sp>
       <p:sp>
         <p:nvSpPr>
-          <p:cNvPr id="23" name="Pfeil: nach links und rechts 22">
-            <a:extLst>
-              <a:ext uri="{FF2B5EF4-FFF2-40B4-BE49-F238E27FC236}">
-                <a16:creationId xmlns:a16="http://schemas.microsoft.com/office/drawing/2014/main" id="{EEEA2340-CAC7-FB50-6B59-FDBA4E8787E0}"/>
+          <p:cNvPr id="10" name="Kreuz 9">
+            <a:extLst>
+              <a:ext uri="{FF2B5EF4-FFF2-40B4-BE49-F238E27FC236}">
+                <a16:creationId xmlns:a16="http://schemas.microsoft.com/office/drawing/2014/main" id="{972944CB-A1EE-B8ED-18DE-488D35F8E4B3}"/>
               </a:ext>
             </a:extLst>
           </p:cNvPr>
@@ -5023,11 +5052,13 @@
         </p:nvSpPr>
         <p:spPr>
           <a:xfrm>
-            <a:off x="2057329" y="3843273"/>
-            <a:ext cx="2784646" cy="484632"/>
-          </a:xfrm>
-          <a:prstGeom prst="leftRightArrow">
-            <a:avLst/>
+            <a:off x="9405474" y="3834411"/>
+            <a:ext cx="483235" cy="487363"/>
+          </a:xfrm>
+          <a:prstGeom prst="plus">
+            <a:avLst>
+              <a:gd name="adj" fmla="val 43812"/>
+            </a:avLst>
           </a:prstGeom>
           <a:solidFill>
             <a:schemeClr val="bg1"/>
@@ -5057,19 +5088,7 @@
           <a:lstStyle/>
           <a:p>
             <a:pPr algn="ctr"/>
-            <a:r>
-              <a:rPr lang="de-DE" b="1" dirty="0" err="1">
-                <a:solidFill>
-                  <a:schemeClr val="tx1"/>
-                </a:solidFill>
-              </a:rPr>
-              <a:t>WebSocket</a:t>
-            </a:r>
-            <a:endParaRPr lang="de-DE" b="1" dirty="0">
-              <a:solidFill>
-                <a:schemeClr val="tx1"/>
-              </a:solidFill>
-            </a:endParaRPr>
+            <a:endParaRPr lang="de-DE"/>
           </a:p>
         </p:txBody>
       </p:sp>
@@ -5272,6 +5291,42 @@
           </a:prstGeom>
         </p:spPr>
       </p:pic>
+      <p:pic>
+        <p:nvPicPr>
+          <p:cNvPr id="6" name="Grafik 5">
+            <a:extLst>
+              <a:ext uri="{FF2B5EF4-FFF2-40B4-BE49-F238E27FC236}">
+                <a16:creationId xmlns:a16="http://schemas.microsoft.com/office/drawing/2014/main" id="{F654B858-8089-1C6C-D94E-90E2292ECDB5}"/>
+              </a:ext>
+            </a:extLst>
+          </p:cNvPr>
+          <p:cNvPicPr>
+            <a:picLocks noChangeAspect="1"/>
+          </p:cNvPicPr>
+          <p:nvPr/>
+        </p:nvPicPr>
+        <p:blipFill>
+          <a:blip r:embed="rId3">
+            <a:extLst>
+              <a:ext uri="{28A0092B-C50C-407E-A947-70E740481C1C}">
+                <a14:useLocalDpi xmlns:a14="http://schemas.microsoft.com/office/drawing/2010/main" val="0"/>
+              </a:ext>
+            </a:extLst>
+          </a:blip>
+          <a:stretch>
+            <a:fillRect/>
+          </a:stretch>
+        </p:blipFill>
+        <p:spPr>
+          <a:xfrm>
+            <a:off x="2092067" y="1450164"/>
+            <a:ext cx="8007865" cy="5265595"/>
+          </a:xfrm>
+          <a:prstGeom prst="rect">
+            <a:avLst/>
+          </a:prstGeom>
+        </p:spPr>
+      </p:pic>
     </p:spTree>
     <p:extLst>
       <p:ext uri="{BB962C8B-B14F-4D97-AF65-F5344CB8AC3E}">
@@ -5377,7 +5432,7 @@
         <p:spPr>
           <a:xfrm>
             <a:off x="838200" y="301377"/>
-            <a:ext cx="6279283" cy="707886"/>
+            <a:ext cx="8796126" cy="707886"/>
           </a:xfrm>
           <a:prstGeom prst="rect">
             <a:avLst/>
@@ -5391,28 +5446,16 @@
           <a:lstStyle/>
           <a:p>
             <a:r>
-              <a:rPr lang="de-DE" sz="4000" b="1" dirty="0">
-                <a:solidFill>
-                  <a:schemeClr val="accent1">
-                    <a:lumMod val="75000"/>
-                  </a:schemeClr>
-                </a:solidFill>
-                <a:latin typeface="Helvetica" panose="020B0604020202020204" pitchFamily="34" charset="0"/>
-                <a:cs typeface="Helvetica" panose="020B0604020202020204" pitchFamily="34" charset="0"/>
-              </a:rPr>
-              <a:t>Graph RAG &amp; </a:t>
-            </a:r>
-            <a:r>
-              <a:rPr lang="de-DE" sz="4000" b="1" dirty="0" err="1">
-                <a:solidFill>
-                  <a:schemeClr val="accent1">
-                    <a:lumMod val="75000"/>
-                  </a:schemeClr>
-                </a:solidFill>
-                <a:latin typeface="Helvetica" panose="020B0604020202020204" pitchFamily="34" charset="0"/>
-                <a:cs typeface="Helvetica" panose="020B0604020202020204" pitchFamily="34" charset="0"/>
-              </a:rPr>
-              <a:t>LangChain</a:t>
+              <a:rPr lang="de-DE" sz="4000" dirty="0"/>
+              <a:t>Retrieval-</a:t>
+            </a:r>
+            <a:r>
+              <a:rPr lang="de-DE" sz="4000" dirty="0" err="1"/>
+              <a:t>Augmented</a:t>
+            </a:r>
+            <a:r>
+              <a:rPr lang="de-DE" sz="4000" dirty="0"/>
+              <a:t> Generation (RAG)</a:t>
             </a:r>
             <a:endParaRPr lang="de-DE" sz="4000" b="1" dirty="0">
               <a:solidFill>
@@ -5456,6 +5499,78 @@
           <a:xfrm>
             <a:off x="10698480" y="0"/>
             <a:ext cx="1310640" cy="1310640"/>
+          </a:xfrm>
+          <a:prstGeom prst="rect">
+            <a:avLst/>
+          </a:prstGeom>
+        </p:spPr>
+      </p:pic>
+      <p:pic>
+        <p:nvPicPr>
+          <p:cNvPr id="8" name="Grafik 7" descr="Ein Bild, das Schrift, Screenshot, Grafiken, Logo enthält.&#10;&#10;KI-generierte Inhalte können fehlerhaft sein.">
+            <a:extLst>
+              <a:ext uri="{FF2B5EF4-FFF2-40B4-BE49-F238E27FC236}">
+                <a16:creationId xmlns:a16="http://schemas.microsoft.com/office/drawing/2014/main" id="{562F2701-3712-C1E8-EA12-1DF7F3751F5A}"/>
+              </a:ext>
+            </a:extLst>
+          </p:cNvPr>
+          <p:cNvPicPr>
+            <a:picLocks noChangeAspect="1"/>
+          </p:cNvPicPr>
+          <p:nvPr/>
+        </p:nvPicPr>
+        <p:blipFill>
+          <a:blip r:embed="rId3">
+            <a:extLst>
+              <a:ext uri="{28A0092B-C50C-407E-A947-70E740481C1C}">
+                <a14:useLocalDpi xmlns:a14="http://schemas.microsoft.com/office/drawing/2010/main" val="0"/>
+              </a:ext>
+            </a:extLst>
+          </a:blip>
+          <a:stretch>
+            <a:fillRect/>
+          </a:stretch>
+        </p:blipFill>
+        <p:spPr>
+          <a:xfrm>
+            <a:off x="2087880" y="1612017"/>
+            <a:ext cx="4754880" cy="4754880"/>
+          </a:xfrm>
+          <a:prstGeom prst="rect">
+            <a:avLst/>
+          </a:prstGeom>
+        </p:spPr>
+      </p:pic>
+      <p:pic>
+        <p:nvPicPr>
+          <p:cNvPr id="10" name="Grafik 9" descr="Ein Bild, das Grafiken, Logo, Kreis, Design enthält.&#10;&#10;KI-generierte Inhalte können fehlerhaft sein.">
+            <a:extLst>
+              <a:ext uri="{FF2B5EF4-FFF2-40B4-BE49-F238E27FC236}">
+                <a16:creationId xmlns:a16="http://schemas.microsoft.com/office/drawing/2014/main" id="{D6B2D9D1-CD90-202C-7BF1-6B6F1F88A58D}"/>
+              </a:ext>
+            </a:extLst>
+          </p:cNvPr>
+          <p:cNvPicPr>
+            <a:picLocks noChangeAspect="1"/>
+          </p:cNvPicPr>
+          <p:nvPr/>
+        </p:nvPicPr>
+        <p:blipFill>
+          <a:blip r:embed="rId4">
+            <a:extLst>
+              <a:ext uri="{28A0092B-C50C-407E-A947-70E740481C1C}">
+                <a14:useLocalDpi xmlns:a14="http://schemas.microsoft.com/office/drawing/2010/main" val="0"/>
+              </a:ext>
+            </a:extLst>
+          </a:blip>
+          <a:stretch>
+            <a:fillRect/>
+          </a:stretch>
+        </p:blipFill>
+        <p:spPr>
+          <a:xfrm>
+            <a:off x="7584440" y="2895600"/>
+            <a:ext cx="2273300" cy="2273300"/>
           </a:xfrm>
           <a:prstGeom prst="rect">
             <a:avLst/>
@@ -5581,6 +5696,18 @@
           <a:lstStyle/>
           <a:p>
             <a:r>
+              <a:rPr lang="de-DE" sz="4000" b="1" dirty="0">
+                <a:solidFill>
+                  <a:schemeClr val="accent1">
+                    <a:lumMod val="75000"/>
+                  </a:schemeClr>
+                </a:solidFill>
+                <a:latin typeface="Helvetica" panose="020B0604020202020204" pitchFamily="34" charset="0"/>
+                <a:cs typeface="Helvetica" panose="020B0604020202020204" pitchFamily="34" charset="0"/>
+              </a:rPr>
+              <a:t>Frontend &amp; </a:t>
+            </a:r>
+            <a:r>
               <a:rPr lang="de-DE" sz="4000" b="1" dirty="0" err="1">
                 <a:solidFill>
                   <a:schemeClr val="accent1">
@@ -5592,18 +5719,15 @@
               </a:rPr>
               <a:t>WebSocket</a:t>
             </a:r>
-            <a:r>
-              <a:rPr lang="de-DE" sz="4000" b="1" dirty="0">
-                <a:solidFill>
-                  <a:schemeClr val="accent1">
-                    <a:lumMod val="75000"/>
-                  </a:schemeClr>
-                </a:solidFill>
-                <a:latin typeface="Helvetica" panose="020B0604020202020204" pitchFamily="34" charset="0"/>
-                <a:cs typeface="Helvetica" panose="020B0604020202020204" pitchFamily="34" charset="0"/>
-              </a:rPr>
-              <a:t> &amp; Frontend</a:t>
-            </a:r>
+            <a:endParaRPr lang="de-DE" sz="4000" b="1" dirty="0">
+              <a:solidFill>
+                <a:schemeClr val="accent1">
+                  <a:lumMod val="75000"/>
+                </a:schemeClr>
+              </a:solidFill>
+              <a:latin typeface="Helvetica" panose="020B0604020202020204" pitchFamily="34" charset="0"/>
+              <a:cs typeface="Helvetica" panose="020B0604020202020204" pitchFamily="34" charset="0"/>
+            </a:endParaRPr>
           </a:p>
         </p:txBody>
       </p:sp>
@@ -5637,6 +5761,114 @@
           <a:xfrm>
             <a:off x="10698480" y="0"/>
             <a:ext cx="1310640" cy="1310640"/>
+          </a:xfrm>
+          <a:prstGeom prst="rect">
+            <a:avLst/>
+          </a:prstGeom>
+        </p:spPr>
+      </p:pic>
+      <p:pic>
+        <p:nvPicPr>
+          <p:cNvPr id="8" name="Grafik 7" descr="Ein Bild, das Grafiken, Schrift, Logo, Kreis enthält.&#10;&#10;KI-generierte Inhalte können fehlerhaft sein.">
+            <a:extLst>
+              <a:ext uri="{FF2B5EF4-FFF2-40B4-BE49-F238E27FC236}">
+                <a16:creationId xmlns:a16="http://schemas.microsoft.com/office/drawing/2014/main" id="{7162D65B-777E-9209-3D0C-ABF980F39A9B}"/>
+              </a:ext>
+            </a:extLst>
+          </p:cNvPr>
+          <p:cNvPicPr>
+            <a:picLocks noChangeAspect="1"/>
+          </p:cNvPicPr>
+          <p:nvPr/>
+        </p:nvPicPr>
+        <p:blipFill>
+          <a:blip r:embed="rId3">
+            <a:extLst>
+              <a:ext uri="{28A0092B-C50C-407E-A947-70E740481C1C}">
+                <a14:useLocalDpi xmlns:a14="http://schemas.microsoft.com/office/drawing/2010/main" val="0"/>
+              </a:ext>
+            </a:extLst>
+          </a:blip>
+          <a:stretch>
+            <a:fillRect/>
+          </a:stretch>
+        </p:blipFill>
+        <p:spPr>
+          <a:xfrm>
+            <a:off x="1427300" y="2837180"/>
+            <a:ext cx="1933575" cy="2362200"/>
+          </a:xfrm>
+          <a:prstGeom prst="rect">
+            <a:avLst/>
+          </a:prstGeom>
+        </p:spPr>
+      </p:pic>
+      <p:pic>
+        <p:nvPicPr>
+          <p:cNvPr id="10" name="Grafik 9" descr="Ein Bild, das Grafiken, Logo, Kreis, Schrift enthält.&#10;&#10;KI-generierte Inhalte können fehlerhaft sein.">
+            <a:extLst>
+              <a:ext uri="{FF2B5EF4-FFF2-40B4-BE49-F238E27FC236}">
+                <a16:creationId xmlns:a16="http://schemas.microsoft.com/office/drawing/2014/main" id="{A94D86ED-E129-4917-6B52-647551EF2275}"/>
+              </a:ext>
+            </a:extLst>
+          </p:cNvPr>
+          <p:cNvPicPr>
+            <a:picLocks noChangeAspect="1"/>
+          </p:cNvPicPr>
+          <p:nvPr/>
+        </p:nvPicPr>
+        <p:blipFill>
+          <a:blip r:embed="rId4">
+            <a:extLst>
+              <a:ext uri="{28A0092B-C50C-407E-A947-70E740481C1C}">
+                <a14:useLocalDpi xmlns:a14="http://schemas.microsoft.com/office/drawing/2010/main" val="0"/>
+              </a:ext>
+            </a:extLst>
+          </a:blip>
+          <a:stretch>
+            <a:fillRect/>
+          </a:stretch>
+        </p:blipFill>
+        <p:spPr>
+          <a:xfrm>
+            <a:off x="4732020" y="2837180"/>
+            <a:ext cx="2362200" cy="2362200"/>
+          </a:xfrm>
+          <a:prstGeom prst="rect">
+            <a:avLst/>
+          </a:prstGeom>
+        </p:spPr>
+      </p:pic>
+      <p:pic>
+        <p:nvPicPr>
+          <p:cNvPr id="12" name="Grafik 11" descr="Ein Bild, das Grafiken, Symbol, Kreis, Schrift enthält.&#10;&#10;KI-generierte Inhalte können fehlerhaft sein.">
+            <a:extLst>
+              <a:ext uri="{FF2B5EF4-FFF2-40B4-BE49-F238E27FC236}">
+                <a16:creationId xmlns:a16="http://schemas.microsoft.com/office/drawing/2014/main" id="{41F94763-29FA-1F00-56EA-11769B0BA7F6}"/>
+              </a:ext>
+            </a:extLst>
+          </p:cNvPr>
+          <p:cNvPicPr>
+            <a:picLocks noChangeAspect="1"/>
+          </p:cNvPicPr>
+          <p:nvPr/>
+        </p:nvPicPr>
+        <p:blipFill>
+          <a:blip r:embed="rId5">
+            <a:extLst>
+              <a:ext uri="{28A0092B-C50C-407E-A947-70E740481C1C}">
+                <a14:useLocalDpi xmlns:a14="http://schemas.microsoft.com/office/drawing/2010/main" val="0"/>
+              </a:ext>
+            </a:extLst>
+          </a:blip>
+          <a:stretch>
+            <a:fillRect/>
+          </a:stretch>
+        </p:blipFill>
+        <p:spPr>
+          <a:xfrm>
+            <a:off x="8465365" y="2766060"/>
+            <a:ext cx="2438082" cy="2433320"/>
           </a:xfrm>
           <a:prstGeom prst="rect">
             <a:avLst/>
